--- a/THE_A_Ideas/Innocent Gems/The Consultant - Flow.pptx
+++ b/THE_A_Ideas/Innocent Gems/The Consultant - Flow.pptx
@@ -210,7 +210,7 @@
           <a:p>
             <a:fld id="{E46DFF9B-7890-4956-96F0-AFF859094789}" type="datetimeFigureOut">
               <a:rPr lang="en-US" smtClean="0"/>
-              <a:t>2/13/2025</a:t>
+              <a:t>2/21/2025</a:t>
             </a:fld>
             <a:endParaRPr lang="en-US"/>
           </a:p>
@@ -697,7 +697,7 @@
           <a:p>
             <a:fld id="{AA3BECB3-B129-4032-B16C-54274E3F2ECB}" type="datetimeFigureOut">
               <a:rPr lang="en-US" smtClean="0"/>
-              <a:t>2/13/2025</a:t>
+              <a:t>2/21/2025</a:t>
             </a:fld>
             <a:endParaRPr lang="en-US"/>
           </a:p>
@@ -867,7 +867,7 @@
           <a:p>
             <a:fld id="{AA3BECB3-B129-4032-B16C-54274E3F2ECB}" type="datetimeFigureOut">
               <a:rPr lang="en-US" smtClean="0"/>
-              <a:t>2/13/2025</a:t>
+              <a:t>2/21/2025</a:t>
             </a:fld>
             <a:endParaRPr lang="en-US"/>
           </a:p>
@@ -1047,7 +1047,7 @@
           <a:p>
             <a:fld id="{AA3BECB3-B129-4032-B16C-54274E3F2ECB}" type="datetimeFigureOut">
               <a:rPr lang="en-US" smtClean="0"/>
-              <a:t>2/13/2025</a:t>
+              <a:t>2/21/2025</a:t>
             </a:fld>
             <a:endParaRPr lang="en-US"/>
           </a:p>
@@ -1217,7 +1217,7 @@
           <a:p>
             <a:fld id="{AA3BECB3-B129-4032-B16C-54274E3F2ECB}" type="datetimeFigureOut">
               <a:rPr lang="en-US" smtClean="0"/>
-              <a:t>2/13/2025</a:t>
+              <a:t>2/21/2025</a:t>
             </a:fld>
             <a:endParaRPr lang="en-US"/>
           </a:p>
@@ -1463,7 +1463,7 @@
           <a:p>
             <a:fld id="{AA3BECB3-B129-4032-B16C-54274E3F2ECB}" type="datetimeFigureOut">
               <a:rPr lang="en-US" smtClean="0"/>
-              <a:t>2/13/2025</a:t>
+              <a:t>2/21/2025</a:t>
             </a:fld>
             <a:endParaRPr lang="en-US"/>
           </a:p>
@@ -1695,7 +1695,7 @@
           <a:p>
             <a:fld id="{AA3BECB3-B129-4032-B16C-54274E3F2ECB}" type="datetimeFigureOut">
               <a:rPr lang="en-US" smtClean="0"/>
-              <a:t>2/13/2025</a:t>
+              <a:t>2/21/2025</a:t>
             </a:fld>
             <a:endParaRPr lang="en-US"/>
           </a:p>
@@ -2062,7 +2062,7 @@
           <a:p>
             <a:fld id="{AA3BECB3-B129-4032-B16C-54274E3F2ECB}" type="datetimeFigureOut">
               <a:rPr lang="en-US" smtClean="0"/>
-              <a:t>2/13/2025</a:t>
+              <a:t>2/21/2025</a:t>
             </a:fld>
             <a:endParaRPr lang="en-US"/>
           </a:p>
@@ -2180,7 +2180,7 @@
           <a:p>
             <a:fld id="{AA3BECB3-B129-4032-B16C-54274E3F2ECB}" type="datetimeFigureOut">
               <a:rPr lang="en-US" smtClean="0"/>
-              <a:t>2/13/2025</a:t>
+              <a:t>2/21/2025</a:t>
             </a:fld>
             <a:endParaRPr lang="en-US"/>
           </a:p>
@@ -2275,7 +2275,7 @@
           <a:p>
             <a:fld id="{AA3BECB3-B129-4032-B16C-54274E3F2ECB}" type="datetimeFigureOut">
               <a:rPr lang="en-US" smtClean="0"/>
-              <a:t>2/13/2025</a:t>
+              <a:t>2/21/2025</a:t>
             </a:fld>
             <a:endParaRPr lang="en-US"/>
           </a:p>
@@ -2552,7 +2552,7 @@
           <a:p>
             <a:fld id="{AA3BECB3-B129-4032-B16C-54274E3F2ECB}" type="datetimeFigureOut">
               <a:rPr lang="en-US" smtClean="0"/>
-              <a:t>2/13/2025</a:t>
+              <a:t>2/21/2025</a:t>
             </a:fld>
             <a:endParaRPr lang="en-US"/>
           </a:p>
@@ -2809,7 +2809,7 @@
           <a:p>
             <a:fld id="{AA3BECB3-B129-4032-B16C-54274E3F2ECB}" type="datetimeFigureOut">
               <a:rPr lang="en-US" smtClean="0"/>
-              <a:t>2/13/2025</a:t>
+              <a:t>2/21/2025</a:t>
             </a:fld>
             <a:endParaRPr lang="en-US"/>
           </a:p>
@@ -3022,7 +3022,7 @@
           <a:p>
             <a:fld id="{AA3BECB3-B129-4032-B16C-54274E3F2ECB}" type="datetimeFigureOut">
               <a:rPr lang="en-US" smtClean="0"/>
-              <a:t>2/13/2025</a:t>
+              <a:t>2/21/2025</a:t>
             </a:fld>
             <a:endParaRPr lang="en-US"/>
           </a:p>
@@ -11365,6 +11365,14 @@
 <file path=ppt/slides/slide2.xml><?xml version="1.0" encoding="utf-8"?>
 <p:sld xmlns:a="http://schemas.openxmlformats.org/drawingml/2006/main" xmlns:r="http://schemas.openxmlformats.org/officeDocument/2006/relationships" xmlns:p="http://schemas.openxmlformats.org/presentationml/2006/main">
   <p:cSld>
+    <p:bg>
+      <p:bgPr>
+        <a:solidFill>
+          <a:schemeClr val="tx1"/>
+        </a:solidFill>
+        <a:effectLst/>
+      </p:bgPr>
+    </p:bg>
     <p:spTree>
       <p:nvGrpSpPr>
         <p:cNvPr id="1" name=""/>
@@ -11379,6 +11387,1668 @@
           <a:chExt cx="0" cy="0"/>
         </a:xfrm>
       </p:grpSpPr>
+      <p:sp>
+        <p:nvSpPr>
+          <p:cNvPr id="2" name="Rectangle 1">
+            <a:extLst>
+              <a:ext uri="{FF2B5EF4-FFF2-40B4-BE49-F238E27FC236}">
+                <a16:creationId xmlns:a16="http://schemas.microsoft.com/office/drawing/2014/main" id="{BECAFC6F-5385-3439-8901-EB755EC54F91}"/>
+              </a:ext>
+            </a:extLst>
+          </p:cNvPr>
+          <p:cNvSpPr/>
+          <p:nvPr/>
+        </p:nvSpPr>
+        <p:spPr>
+          <a:xfrm>
+            <a:off x="671331" y="594360"/>
+            <a:ext cx="11331615" cy="5566410"/>
+          </a:xfrm>
+          <a:prstGeom prst="rect">
+            <a:avLst/>
+          </a:prstGeom>
+          <a:noFill/>
+          <a:ln w="76200">
+            <a:solidFill>
+              <a:srgbClr val="FFFF00"/>
+            </a:solidFill>
+          </a:ln>
+        </p:spPr>
+        <p:style>
+          <a:lnRef idx="2">
+            <a:schemeClr val="accent6"/>
+          </a:lnRef>
+          <a:fillRef idx="1">
+            <a:schemeClr val="lt1"/>
+          </a:fillRef>
+          <a:effectRef idx="0">
+            <a:schemeClr val="accent6"/>
+          </a:effectRef>
+          <a:fontRef idx="minor">
+            <a:schemeClr val="dk1"/>
+          </a:fontRef>
+        </p:style>
+        <p:txBody>
+          <a:bodyPr rtlCol="0" anchor="ctr"/>
+          <a:lstStyle/>
+          <a:p>
+            <a:pPr algn="ctr"/>
+            <a:endParaRPr lang="en-US"/>
+          </a:p>
+        </p:txBody>
+      </p:sp>
+      <p:sp>
+        <p:nvSpPr>
+          <p:cNvPr id="3" name="Rectangle: Rounded Corners 2">
+            <a:extLst>
+              <a:ext uri="{FF2B5EF4-FFF2-40B4-BE49-F238E27FC236}">
+                <a16:creationId xmlns:a16="http://schemas.microsoft.com/office/drawing/2014/main" id="{7AA17161-1DDE-6FF9-2102-FC183BA4D868}"/>
+              </a:ext>
+            </a:extLst>
+          </p:cNvPr>
+          <p:cNvSpPr/>
+          <p:nvPr/>
+        </p:nvSpPr>
+        <p:spPr>
+          <a:xfrm>
+            <a:off x="10238204" y="1035133"/>
+            <a:ext cx="1440180" cy="4104026"/>
+          </a:xfrm>
+          <a:prstGeom prst="roundRect">
+            <a:avLst/>
+          </a:prstGeom>
+          <a:solidFill>
+            <a:srgbClr val="C00000"/>
+          </a:solidFill>
+          <a:ln>
+            <a:solidFill>
+              <a:srgbClr val="FFFF00"/>
+            </a:solidFill>
+          </a:ln>
+        </p:spPr>
+        <p:style>
+          <a:lnRef idx="2">
+            <a:schemeClr val="accent1">
+              <a:shade val="15000"/>
+            </a:schemeClr>
+          </a:lnRef>
+          <a:fillRef idx="1">
+            <a:schemeClr val="accent1"/>
+          </a:fillRef>
+          <a:effectRef idx="0">
+            <a:schemeClr val="accent1"/>
+          </a:effectRef>
+          <a:fontRef idx="minor">
+            <a:schemeClr val="lt1"/>
+          </a:fontRef>
+        </p:style>
+        <p:txBody>
+          <a:bodyPr rtlCol="0" anchor="ctr"/>
+          <a:lstStyle/>
+          <a:p>
+            <a:pPr algn="ctr"/>
+            <a:r>
+              <a:rPr lang="en-US" dirty="0"/>
+              <a:t>THE BAR</a:t>
+            </a:r>
+            <a:br>
+              <a:rPr lang="en-US" dirty="0"/>
+            </a:br>
+            <a:r>
+              <a:rPr lang="en-US" dirty="0"/>
+              <a:t>Counter</a:t>
+            </a:r>
+          </a:p>
+        </p:txBody>
+      </p:sp>
+      <p:sp>
+        <p:nvSpPr>
+          <p:cNvPr id="5" name="Oval 4">
+            <a:extLst>
+              <a:ext uri="{FF2B5EF4-FFF2-40B4-BE49-F238E27FC236}">
+                <a16:creationId xmlns:a16="http://schemas.microsoft.com/office/drawing/2014/main" id="{D0938692-DF7C-03B1-0C52-EB9B5CA83F74}"/>
+              </a:ext>
+            </a:extLst>
+          </p:cNvPr>
+          <p:cNvSpPr/>
+          <p:nvPr/>
+        </p:nvSpPr>
+        <p:spPr>
+          <a:xfrm>
+            <a:off x="8143293" y="834162"/>
+            <a:ext cx="1770349" cy="1273504"/>
+          </a:xfrm>
+          <a:prstGeom prst="ellipse">
+            <a:avLst/>
+          </a:prstGeom>
+          <a:ln>
+            <a:solidFill>
+              <a:srgbClr val="FFFF00"/>
+            </a:solidFill>
+          </a:ln>
+        </p:spPr>
+        <p:style>
+          <a:lnRef idx="2">
+            <a:schemeClr val="accent1">
+              <a:shade val="15000"/>
+            </a:schemeClr>
+          </a:lnRef>
+          <a:fillRef idx="1">
+            <a:schemeClr val="accent1"/>
+          </a:fillRef>
+          <a:effectRef idx="0">
+            <a:schemeClr val="accent1"/>
+          </a:effectRef>
+          <a:fontRef idx="minor">
+            <a:schemeClr val="lt1"/>
+          </a:fontRef>
+        </p:style>
+        <p:txBody>
+          <a:bodyPr rtlCol="0" anchor="ctr"/>
+          <a:lstStyle/>
+          <a:p>
+            <a:pPr algn="ctr"/>
+            <a:r>
+              <a:rPr lang="en-US" dirty="0"/>
+              <a:t>Violin</a:t>
+            </a:r>
+          </a:p>
+        </p:txBody>
+      </p:sp>
+      <p:sp>
+        <p:nvSpPr>
+          <p:cNvPr id="9" name="Rectangle: Rounded Corners 8">
+            <a:extLst>
+              <a:ext uri="{FF2B5EF4-FFF2-40B4-BE49-F238E27FC236}">
+                <a16:creationId xmlns:a16="http://schemas.microsoft.com/office/drawing/2014/main" id="{296798B1-0B7A-F75D-98BC-C584691D28FC}"/>
+              </a:ext>
+            </a:extLst>
+          </p:cNvPr>
+          <p:cNvSpPr/>
+          <p:nvPr/>
+        </p:nvSpPr>
+        <p:spPr>
+          <a:xfrm>
+            <a:off x="7391880" y="2730867"/>
+            <a:ext cx="1572274" cy="1273503"/>
+          </a:xfrm>
+          <a:prstGeom prst="roundRect">
+            <a:avLst/>
+          </a:prstGeom>
+          <a:solidFill>
+            <a:schemeClr val="accent2">
+              <a:lumMod val="75000"/>
+            </a:schemeClr>
+          </a:solidFill>
+          <a:ln>
+            <a:solidFill>
+              <a:srgbClr val="FFFF00"/>
+            </a:solidFill>
+          </a:ln>
+        </p:spPr>
+        <p:style>
+          <a:lnRef idx="2">
+            <a:schemeClr val="accent1">
+              <a:shade val="15000"/>
+            </a:schemeClr>
+          </a:lnRef>
+          <a:fillRef idx="1">
+            <a:schemeClr val="accent1"/>
+          </a:fillRef>
+          <a:effectRef idx="0">
+            <a:schemeClr val="accent1"/>
+          </a:effectRef>
+          <a:fontRef idx="minor">
+            <a:schemeClr val="lt1"/>
+          </a:fontRef>
+        </p:style>
+        <p:txBody>
+          <a:bodyPr rtlCol="0" anchor="ctr"/>
+          <a:lstStyle/>
+          <a:p>
+            <a:pPr algn="ctr"/>
+            <a:r>
+              <a:rPr lang="en-US" dirty="0"/>
+              <a:t>Table</a:t>
+            </a:r>
+          </a:p>
+        </p:txBody>
+      </p:sp>
+      <p:sp>
+        <p:nvSpPr>
+          <p:cNvPr id="13" name="Rectangle 12">
+            <a:extLst>
+              <a:ext uri="{FF2B5EF4-FFF2-40B4-BE49-F238E27FC236}">
+                <a16:creationId xmlns:a16="http://schemas.microsoft.com/office/drawing/2014/main" id="{9D9A0044-FEDB-73E5-9940-10225C07F618}"/>
+              </a:ext>
+            </a:extLst>
+          </p:cNvPr>
+          <p:cNvSpPr/>
+          <p:nvPr/>
+        </p:nvSpPr>
+        <p:spPr>
+          <a:xfrm>
+            <a:off x="8803134" y="4894475"/>
+            <a:ext cx="1014376" cy="1273504"/>
+          </a:xfrm>
+          <a:prstGeom prst="rect">
+            <a:avLst/>
+          </a:prstGeom>
+          <a:ln>
+            <a:solidFill>
+              <a:srgbClr val="FFFF00"/>
+            </a:solidFill>
+          </a:ln>
+        </p:spPr>
+        <p:style>
+          <a:lnRef idx="2">
+            <a:schemeClr val="accent1">
+              <a:shade val="15000"/>
+            </a:schemeClr>
+          </a:lnRef>
+          <a:fillRef idx="1">
+            <a:schemeClr val="accent1"/>
+          </a:fillRef>
+          <a:effectRef idx="0">
+            <a:schemeClr val="accent1"/>
+          </a:effectRef>
+          <a:fontRef idx="minor">
+            <a:schemeClr val="lt1"/>
+          </a:fontRef>
+        </p:style>
+        <p:txBody>
+          <a:bodyPr rtlCol="0" anchor="ctr"/>
+          <a:lstStyle/>
+          <a:p>
+            <a:pPr algn="ctr"/>
+            <a:r>
+              <a:rPr lang="en-US" dirty="0"/>
+              <a:t>Door</a:t>
+            </a:r>
+          </a:p>
+        </p:txBody>
+      </p:sp>
+      <p:sp>
+        <p:nvSpPr>
+          <p:cNvPr id="14" name="Rectangle: Rounded Corners 13">
+            <a:extLst>
+              <a:ext uri="{FF2B5EF4-FFF2-40B4-BE49-F238E27FC236}">
+                <a16:creationId xmlns:a16="http://schemas.microsoft.com/office/drawing/2014/main" id="{17B66AE6-3BDC-AF9E-6AC7-C17936CDA6C9}"/>
+              </a:ext>
+            </a:extLst>
+          </p:cNvPr>
+          <p:cNvSpPr/>
+          <p:nvPr/>
+        </p:nvSpPr>
+        <p:spPr>
+          <a:xfrm>
+            <a:off x="4138879" y="2733655"/>
+            <a:ext cx="1626900" cy="1273503"/>
+          </a:xfrm>
+          <a:prstGeom prst="roundRect">
+            <a:avLst/>
+          </a:prstGeom>
+          <a:solidFill>
+            <a:schemeClr val="accent2">
+              <a:lumMod val="75000"/>
+            </a:schemeClr>
+          </a:solidFill>
+          <a:ln>
+            <a:solidFill>
+              <a:srgbClr val="FFFF00"/>
+            </a:solidFill>
+          </a:ln>
+        </p:spPr>
+        <p:style>
+          <a:lnRef idx="2">
+            <a:schemeClr val="accent1">
+              <a:shade val="15000"/>
+            </a:schemeClr>
+          </a:lnRef>
+          <a:fillRef idx="1">
+            <a:schemeClr val="accent1"/>
+          </a:fillRef>
+          <a:effectRef idx="0">
+            <a:schemeClr val="accent1"/>
+          </a:effectRef>
+          <a:fontRef idx="minor">
+            <a:schemeClr val="lt1"/>
+          </a:fontRef>
+        </p:style>
+        <p:txBody>
+          <a:bodyPr rtlCol="0" anchor="ctr"/>
+          <a:lstStyle/>
+          <a:p>
+            <a:pPr algn="ctr"/>
+            <a:r>
+              <a:rPr lang="en-US" dirty="0"/>
+              <a:t>Table</a:t>
+            </a:r>
+          </a:p>
+        </p:txBody>
+      </p:sp>
+      <p:sp>
+        <p:nvSpPr>
+          <p:cNvPr id="15" name="Rectangle: Rounded Corners 14">
+            <a:extLst>
+              <a:ext uri="{FF2B5EF4-FFF2-40B4-BE49-F238E27FC236}">
+                <a16:creationId xmlns:a16="http://schemas.microsoft.com/office/drawing/2014/main" id="{CABB4067-3CCE-8DC8-189D-A5C29B63CC44}"/>
+              </a:ext>
+            </a:extLst>
+          </p:cNvPr>
+          <p:cNvSpPr/>
+          <p:nvPr/>
+        </p:nvSpPr>
+        <p:spPr>
+          <a:xfrm>
+            <a:off x="1628751" y="2740812"/>
+            <a:ext cx="1434962" cy="1273503"/>
+          </a:xfrm>
+          <a:prstGeom prst="roundRect">
+            <a:avLst/>
+          </a:prstGeom>
+          <a:solidFill>
+            <a:schemeClr val="accent2">
+              <a:lumMod val="75000"/>
+            </a:schemeClr>
+          </a:solidFill>
+          <a:ln>
+            <a:solidFill>
+              <a:srgbClr val="FFFF00"/>
+            </a:solidFill>
+          </a:ln>
+        </p:spPr>
+        <p:style>
+          <a:lnRef idx="2">
+            <a:schemeClr val="accent1">
+              <a:shade val="15000"/>
+            </a:schemeClr>
+          </a:lnRef>
+          <a:fillRef idx="1">
+            <a:schemeClr val="accent1"/>
+          </a:fillRef>
+          <a:effectRef idx="0">
+            <a:schemeClr val="accent1"/>
+          </a:effectRef>
+          <a:fontRef idx="minor">
+            <a:schemeClr val="lt1"/>
+          </a:fontRef>
+        </p:style>
+        <p:txBody>
+          <a:bodyPr rtlCol="0" anchor="ctr"/>
+          <a:lstStyle/>
+          <a:p>
+            <a:pPr algn="ctr"/>
+            <a:r>
+              <a:rPr lang="en-US" dirty="0"/>
+              <a:t>Table</a:t>
+            </a:r>
+          </a:p>
+        </p:txBody>
+      </p:sp>
+      <p:sp>
+        <p:nvSpPr>
+          <p:cNvPr id="16" name="Rectangle: Rounded Corners 15">
+            <a:extLst>
+              <a:ext uri="{FF2B5EF4-FFF2-40B4-BE49-F238E27FC236}">
+                <a16:creationId xmlns:a16="http://schemas.microsoft.com/office/drawing/2014/main" id="{5B7BF114-09E6-E4D9-595F-E3963669CCF3}"/>
+              </a:ext>
+            </a:extLst>
+          </p:cNvPr>
+          <p:cNvSpPr/>
+          <p:nvPr/>
+        </p:nvSpPr>
+        <p:spPr>
+          <a:xfrm>
+            <a:off x="1839098" y="842067"/>
+            <a:ext cx="1626899" cy="1273503"/>
+          </a:xfrm>
+          <a:prstGeom prst="roundRect">
+            <a:avLst/>
+          </a:prstGeom>
+          <a:solidFill>
+            <a:schemeClr val="accent2">
+              <a:lumMod val="75000"/>
+            </a:schemeClr>
+          </a:solidFill>
+          <a:ln>
+            <a:solidFill>
+              <a:srgbClr val="FFFF00"/>
+            </a:solidFill>
+          </a:ln>
+        </p:spPr>
+        <p:style>
+          <a:lnRef idx="2">
+            <a:schemeClr val="accent1">
+              <a:shade val="15000"/>
+            </a:schemeClr>
+          </a:lnRef>
+          <a:fillRef idx="1">
+            <a:schemeClr val="accent1"/>
+          </a:fillRef>
+          <a:effectRef idx="0">
+            <a:schemeClr val="accent1"/>
+          </a:effectRef>
+          <a:fontRef idx="minor">
+            <a:schemeClr val="lt1"/>
+          </a:fontRef>
+        </p:style>
+        <p:txBody>
+          <a:bodyPr rtlCol="0" anchor="ctr"/>
+          <a:lstStyle/>
+          <a:p>
+            <a:pPr algn="ctr"/>
+            <a:r>
+              <a:rPr lang="en-US" dirty="0"/>
+              <a:t>Table</a:t>
+            </a:r>
+          </a:p>
+        </p:txBody>
+      </p:sp>
+      <p:sp>
+        <p:nvSpPr>
+          <p:cNvPr id="18" name="Rectangle: Rounded Corners 17">
+            <a:extLst>
+              <a:ext uri="{FF2B5EF4-FFF2-40B4-BE49-F238E27FC236}">
+                <a16:creationId xmlns:a16="http://schemas.microsoft.com/office/drawing/2014/main" id="{09F658E3-F423-F197-5D91-7871976EF69F}"/>
+              </a:ext>
+            </a:extLst>
+          </p:cNvPr>
+          <p:cNvSpPr/>
+          <p:nvPr/>
+        </p:nvSpPr>
+        <p:spPr>
+          <a:xfrm>
+            <a:off x="1494505" y="4642014"/>
+            <a:ext cx="1711499" cy="1129142"/>
+          </a:xfrm>
+          <a:prstGeom prst="roundRect">
+            <a:avLst/>
+          </a:prstGeom>
+          <a:solidFill>
+            <a:schemeClr val="accent2">
+              <a:lumMod val="75000"/>
+            </a:schemeClr>
+          </a:solidFill>
+          <a:ln>
+            <a:solidFill>
+              <a:srgbClr val="FFFF00"/>
+            </a:solidFill>
+          </a:ln>
+        </p:spPr>
+        <p:style>
+          <a:lnRef idx="2">
+            <a:schemeClr val="accent1">
+              <a:shade val="15000"/>
+            </a:schemeClr>
+          </a:lnRef>
+          <a:fillRef idx="1">
+            <a:schemeClr val="accent1"/>
+          </a:fillRef>
+          <a:effectRef idx="0">
+            <a:schemeClr val="accent1"/>
+          </a:effectRef>
+          <a:fontRef idx="minor">
+            <a:schemeClr val="lt1"/>
+          </a:fontRef>
+        </p:style>
+        <p:txBody>
+          <a:bodyPr rtlCol="0" anchor="ctr"/>
+          <a:lstStyle/>
+          <a:p>
+            <a:pPr algn="ctr"/>
+            <a:r>
+              <a:rPr lang="en-US" dirty="0"/>
+              <a:t>Table</a:t>
+            </a:r>
+          </a:p>
+        </p:txBody>
+      </p:sp>
+      <p:sp>
+        <p:nvSpPr>
+          <p:cNvPr id="19" name="Rectangle: Rounded Corners 18">
+            <a:extLst>
+              <a:ext uri="{FF2B5EF4-FFF2-40B4-BE49-F238E27FC236}">
+                <a16:creationId xmlns:a16="http://schemas.microsoft.com/office/drawing/2014/main" id="{291AD6BF-5BFF-BF57-421B-B9AD1BC6D630}"/>
+              </a:ext>
+            </a:extLst>
+          </p:cNvPr>
+          <p:cNvSpPr/>
+          <p:nvPr/>
+        </p:nvSpPr>
+        <p:spPr>
+          <a:xfrm>
+            <a:off x="5137141" y="4559559"/>
+            <a:ext cx="2142109" cy="1273503"/>
+          </a:xfrm>
+          <a:prstGeom prst="roundRect">
+            <a:avLst/>
+          </a:prstGeom>
+          <a:solidFill>
+            <a:schemeClr val="accent2">
+              <a:lumMod val="75000"/>
+            </a:schemeClr>
+          </a:solidFill>
+          <a:ln>
+            <a:solidFill>
+              <a:srgbClr val="FFFF00"/>
+            </a:solidFill>
+          </a:ln>
+        </p:spPr>
+        <p:style>
+          <a:lnRef idx="2">
+            <a:schemeClr val="accent1">
+              <a:shade val="15000"/>
+            </a:schemeClr>
+          </a:lnRef>
+          <a:fillRef idx="1">
+            <a:schemeClr val="accent1"/>
+          </a:fillRef>
+          <a:effectRef idx="0">
+            <a:schemeClr val="accent1"/>
+          </a:effectRef>
+          <a:fontRef idx="minor">
+            <a:schemeClr val="lt1"/>
+          </a:fontRef>
+        </p:style>
+        <p:txBody>
+          <a:bodyPr rtlCol="0" anchor="ctr"/>
+          <a:lstStyle/>
+          <a:p>
+            <a:pPr algn="ctr"/>
+            <a:r>
+              <a:rPr lang="en-US" dirty="0"/>
+              <a:t>Table</a:t>
+            </a:r>
+          </a:p>
+        </p:txBody>
+      </p:sp>
+      <p:sp>
+        <p:nvSpPr>
+          <p:cNvPr id="20" name="Oval 19">
+            <a:extLst>
+              <a:ext uri="{FF2B5EF4-FFF2-40B4-BE49-F238E27FC236}">
+                <a16:creationId xmlns:a16="http://schemas.microsoft.com/office/drawing/2014/main" id="{17418FB6-B1FA-7586-C906-894843C95697}"/>
+              </a:ext>
+            </a:extLst>
+          </p:cNvPr>
+          <p:cNvSpPr/>
+          <p:nvPr/>
+        </p:nvSpPr>
+        <p:spPr>
+          <a:xfrm>
+            <a:off x="1330043" y="999729"/>
+            <a:ext cx="403882" cy="417197"/>
+          </a:xfrm>
+          <a:prstGeom prst="ellipse">
+            <a:avLst/>
+          </a:prstGeom>
+          <a:solidFill>
+            <a:schemeClr val="accent2">
+              <a:lumMod val="75000"/>
+            </a:schemeClr>
+          </a:solidFill>
+        </p:spPr>
+        <p:style>
+          <a:lnRef idx="2">
+            <a:schemeClr val="accent1">
+              <a:shade val="15000"/>
+            </a:schemeClr>
+          </a:lnRef>
+          <a:fillRef idx="1">
+            <a:schemeClr val="accent1"/>
+          </a:fillRef>
+          <a:effectRef idx="0">
+            <a:schemeClr val="accent1"/>
+          </a:effectRef>
+          <a:fontRef idx="minor">
+            <a:schemeClr val="lt1"/>
+          </a:fontRef>
+        </p:style>
+        <p:txBody>
+          <a:bodyPr rtlCol="0" anchor="ctr"/>
+          <a:lstStyle/>
+          <a:p>
+            <a:pPr algn="ctr"/>
+            <a:endParaRPr lang="en-US"/>
+          </a:p>
+        </p:txBody>
+      </p:sp>
+      <p:sp>
+        <p:nvSpPr>
+          <p:cNvPr id="21" name="Oval 20">
+            <a:extLst>
+              <a:ext uri="{FF2B5EF4-FFF2-40B4-BE49-F238E27FC236}">
+                <a16:creationId xmlns:a16="http://schemas.microsoft.com/office/drawing/2014/main" id="{0B7BFB9D-2AD2-614E-52ED-73A098CAE5E0}"/>
+              </a:ext>
+            </a:extLst>
+          </p:cNvPr>
+          <p:cNvSpPr/>
+          <p:nvPr/>
+        </p:nvSpPr>
+        <p:spPr>
+          <a:xfrm>
+            <a:off x="1330043" y="1580090"/>
+            <a:ext cx="403882" cy="417197"/>
+          </a:xfrm>
+          <a:prstGeom prst="ellipse">
+            <a:avLst/>
+          </a:prstGeom>
+          <a:solidFill>
+            <a:schemeClr val="accent2">
+              <a:lumMod val="75000"/>
+            </a:schemeClr>
+          </a:solidFill>
+        </p:spPr>
+        <p:style>
+          <a:lnRef idx="2">
+            <a:schemeClr val="accent1">
+              <a:shade val="15000"/>
+            </a:schemeClr>
+          </a:lnRef>
+          <a:fillRef idx="1">
+            <a:schemeClr val="accent1"/>
+          </a:fillRef>
+          <a:effectRef idx="0">
+            <a:schemeClr val="accent1"/>
+          </a:effectRef>
+          <a:fontRef idx="minor">
+            <a:schemeClr val="lt1"/>
+          </a:fontRef>
+        </p:style>
+        <p:txBody>
+          <a:bodyPr rtlCol="0" anchor="ctr"/>
+          <a:lstStyle/>
+          <a:p>
+            <a:pPr algn="ctr"/>
+            <a:endParaRPr lang="en-US"/>
+          </a:p>
+        </p:txBody>
+      </p:sp>
+      <p:sp>
+        <p:nvSpPr>
+          <p:cNvPr id="22" name="Oval 21">
+            <a:extLst>
+              <a:ext uri="{FF2B5EF4-FFF2-40B4-BE49-F238E27FC236}">
+                <a16:creationId xmlns:a16="http://schemas.microsoft.com/office/drawing/2014/main" id="{75413F75-C79B-B39E-FDE7-235B5CFAA30A}"/>
+              </a:ext>
+            </a:extLst>
+          </p:cNvPr>
+          <p:cNvSpPr/>
+          <p:nvPr/>
+        </p:nvSpPr>
+        <p:spPr>
+          <a:xfrm>
+            <a:off x="4354107" y="1687599"/>
+            <a:ext cx="403882" cy="417197"/>
+          </a:xfrm>
+          <a:prstGeom prst="ellipse">
+            <a:avLst/>
+          </a:prstGeom>
+          <a:solidFill>
+            <a:schemeClr val="accent2">
+              <a:lumMod val="75000"/>
+            </a:schemeClr>
+          </a:solidFill>
+        </p:spPr>
+        <p:style>
+          <a:lnRef idx="2">
+            <a:schemeClr val="accent1">
+              <a:shade val="15000"/>
+            </a:schemeClr>
+          </a:lnRef>
+          <a:fillRef idx="1">
+            <a:schemeClr val="accent1"/>
+          </a:fillRef>
+          <a:effectRef idx="0">
+            <a:schemeClr val="accent1"/>
+          </a:effectRef>
+          <a:fontRef idx="minor">
+            <a:schemeClr val="lt1"/>
+          </a:fontRef>
+        </p:style>
+        <p:txBody>
+          <a:bodyPr rtlCol="0" anchor="ctr"/>
+          <a:lstStyle/>
+          <a:p>
+            <a:pPr algn="ctr"/>
+            <a:endParaRPr lang="en-US"/>
+          </a:p>
+        </p:txBody>
+      </p:sp>
+      <p:sp>
+        <p:nvSpPr>
+          <p:cNvPr id="23" name="Oval 22">
+            <a:extLst>
+              <a:ext uri="{FF2B5EF4-FFF2-40B4-BE49-F238E27FC236}">
+                <a16:creationId xmlns:a16="http://schemas.microsoft.com/office/drawing/2014/main" id="{356C84C4-4577-F092-E673-FB5EE49C679D}"/>
+              </a:ext>
+            </a:extLst>
+          </p:cNvPr>
+          <p:cNvSpPr/>
+          <p:nvPr/>
+        </p:nvSpPr>
+        <p:spPr>
+          <a:xfrm>
+            <a:off x="6671044" y="909687"/>
+            <a:ext cx="403882" cy="417197"/>
+          </a:xfrm>
+          <a:prstGeom prst="ellipse">
+            <a:avLst/>
+          </a:prstGeom>
+          <a:solidFill>
+            <a:schemeClr val="accent2">
+              <a:lumMod val="75000"/>
+            </a:schemeClr>
+          </a:solidFill>
+        </p:spPr>
+        <p:style>
+          <a:lnRef idx="2">
+            <a:schemeClr val="accent1">
+              <a:shade val="15000"/>
+            </a:schemeClr>
+          </a:lnRef>
+          <a:fillRef idx="1">
+            <a:schemeClr val="accent1"/>
+          </a:fillRef>
+          <a:effectRef idx="0">
+            <a:schemeClr val="accent1"/>
+          </a:effectRef>
+          <a:fontRef idx="minor">
+            <a:schemeClr val="lt1"/>
+          </a:fontRef>
+        </p:style>
+        <p:txBody>
+          <a:bodyPr rtlCol="0" anchor="ctr"/>
+          <a:lstStyle/>
+          <a:p>
+            <a:pPr algn="ctr"/>
+            <a:endParaRPr lang="en-US"/>
+          </a:p>
+        </p:txBody>
+      </p:sp>
+      <p:sp>
+        <p:nvSpPr>
+          <p:cNvPr id="24" name="Rectangle: Rounded Corners 23">
+            <a:extLst>
+              <a:ext uri="{FF2B5EF4-FFF2-40B4-BE49-F238E27FC236}">
+                <a16:creationId xmlns:a16="http://schemas.microsoft.com/office/drawing/2014/main" id="{435AF5C2-A278-007B-8E19-D0EED3DA8234}"/>
+              </a:ext>
+            </a:extLst>
+          </p:cNvPr>
+          <p:cNvSpPr/>
+          <p:nvPr/>
+        </p:nvSpPr>
+        <p:spPr>
+          <a:xfrm>
+            <a:off x="4901067" y="842066"/>
+            <a:ext cx="1626899" cy="1273503"/>
+          </a:xfrm>
+          <a:prstGeom prst="roundRect">
+            <a:avLst/>
+          </a:prstGeom>
+          <a:solidFill>
+            <a:schemeClr val="accent2">
+              <a:lumMod val="75000"/>
+            </a:schemeClr>
+          </a:solidFill>
+          <a:ln>
+            <a:solidFill>
+              <a:srgbClr val="FFFF00"/>
+            </a:solidFill>
+          </a:ln>
+        </p:spPr>
+        <p:style>
+          <a:lnRef idx="2">
+            <a:schemeClr val="accent1">
+              <a:shade val="15000"/>
+            </a:schemeClr>
+          </a:lnRef>
+          <a:fillRef idx="1">
+            <a:schemeClr val="accent1"/>
+          </a:fillRef>
+          <a:effectRef idx="0">
+            <a:schemeClr val="accent1"/>
+          </a:effectRef>
+          <a:fontRef idx="minor">
+            <a:schemeClr val="lt1"/>
+          </a:fontRef>
+        </p:style>
+        <p:txBody>
+          <a:bodyPr rtlCol="0" anchor="ctr"/>
+          <a:lstStyle/>
+          <a:p>
+            <a:pPr algn="ctr"/>
+            <a:r>
+              <a:rPr lang="en-US" dirty="0"/>
+              <a:t>Table</a:t>
+            </a:r>
+          </a:p>
+        </p:txBody>
+      </p:sp>
+      <p:sp>
+        <p:nvSpPr>
+          <p:cNvPr id="25" name="Oval 24">
+            <a:extLst>
+              <a:ext uri="{FF2B5EF4-FFF2-40B4-BE49-F238E27FC236}">
+                <a16:creationId xmlns:a16="http://schemas.microsoft.com/office/drawing/2014/main" id="{F4414EE8-4351-456D-DCAA-6E019AB26DEE}"/>
+              </a:ext>
+            </a:extLst>
+          </p:cNvPr>
+          <p:cNvSpPr/>
+          <p:nvPr/>
+        </p:nvSpPr>
+        <p:spPr>
+          <a:xfrm>
+            <a:off x="3654348" y="3161807"/>
+            <a:ext cx="403882" cy="417197"/>
+          </a:xfrm>
+          <a:prstGeom prst="ellipse">
+            <a:avLst/>
+          </a:prstGeom>
+          <a:solidFill>
+            <a:schemeClr val="accent2">
+              <a:lumMod val="75000"/>
+            </a:schemeClr>
+          </a:solidFill>
+        </p:spPr>
+        <p:style>
+          <a:lnRef idx="2">
+            <a:schemeClr val="accent1">
+              <a:shade val="15000"/>
+            </a:schemeClr>
+          </a:lnRef>
+          <a:fillRef idx="1">
+            <a:schemeClr val="accent1"/>
+          </a:fillRef>
+          <a:effectRef idx="0">
+            <a:schemeClr val="accent1"/>
+          </a:effectRef>
+          <a:fontRef idx="minor">
+            <a:schemeClr val="lt1"/>
+          </a:fontRef>
+        </p:style>
+        <p:txBody>
+          <a:bodyPr rtlCol="0" anchor="ctr"/>
+          <a:lstStyle/>
+          <a:p>
+            <a:pPr algn="ctr"/>
+            <a:endParaRPr lang="en-US"/>
+          </a:p>
+        </p:txBody>
+      </p:sp>
+      <p:sp>
+        <p:nvSpPr>
+          <p:cNvPr id="26" name="Oval 25">
+            <a:extLst>
+              <a:ext uri="{FF2B5EF4-FFF2-40B4-BE49-F238E27FC236}">
+                <a16:creationId xmlns:a16="http://schemas.microsoft.com/office/drawing/2014/main" id="{F9F74F91-5ED5-2D8B-CC7A-5676C271F1B2}"/>
+              </a:ext>
+            </a:extLst>
+          </p:cNvPr>
+          <p:cNvSpPr/>
+          <p:nvPr/>
+        </p:nvSpPr>
+        <p:spPr>
+          <a:xfrm>
+            <a:off x="5839037" y="3087146"/>
+            <a:ext cx="403882" cy="417197"/>
+          </a:xfrm>
+          <a:prstGeom prst="ellipse">
+            <a:avLst/>
+          </a:prstGeom>
+          <a:solidFill>
+            <a:schemeClr val="accent2">
+              <a:lumMod val="75000"/>
+            </a:schemeClr>
+          </a:solidFill>
+        </p:spPr>
+        <p:style>
+          <a:lnRef idx="2">
+            <a:schemeClr val="accent1">
+              <a:shade val="15000"/>
+            </a:schemeClr>
+          </a:lnRef>
+          <a:fillRef idx="1">
+            <a:schemeClr val="accent1"/>
+          </a:fillRef>
+          <a:effectRef idx="0">
+            <a:schemeClr val="accent1"/>
+          </a:effectRef>
+          <a:fontRef idx="minor">
+            <a:schemeClr val="lt1"/>
+          </a:fontRef>
+        </p:style>
+        <p:txBody>
+          <a:bodyPr rtlCol="0" anchor="ctr"/>
+          <a:lstStyle/>
+          <a:p>
+            <a:pPr algn="ctr"/>
+            <a:endParaRPr lang="en-US"/>
+          </a:p>
+        </p:txBody>
+      </p:sp>
+      <p:sp>
+        <p:nvSpPr>
+          <p:cNvPr id="27" name="Oval 26">
+            <a:extLst>
+              <a:ext uri="{FF2B5EF4-FFF2-40B4-BE49-F238E27FC236}">
+                <a16:creationId xmlns:a16="http://schemas.microsoft.com/office/drawing/2014/main" id="{2B3419B3-08BE-0001-1E8E-F09CDD6260DE}"/>
+              </a:ext>
+            </a:extLst>
+          </p:cNvPr>
+          <p:cNvSpPr/>
+          <p:nvPr/>
+        </p:nvSpPr>
+        <p:spPr>
+          <a:xfrm>
+            <a:off x="1133767" y="2878547"/>
+            <a:ext cx="403882" cy="417197"/>
+          </a:xfrm>
+          <a:prstGeom prst="ellipse">
+            <a:avLst/>
+          </a:prstGeom>
+          <a:solidFill>
+            <a:schemeClr val="accent2">
+              <a:lumMod val="75000"/>
+            </a:schemeClr>
+          </a:solidFill>
+        </p:spPr>
+        <p:style>
+          <a:lnRef idx="2">
+            <a:schemeClr val="accent1">
+              <a:shade val="15000"/>
+            </a:schemeClr>
+          </a:lnRef>
+          <a:fillRef idx="1">
+            <a:schemeClr val="accent1"/>
+          </a:fillRef>
+          <a:effectRef idx="0">
+            <a:schemeClr val="accent1"/>
+          </a:effectRef>
+          <a:fontRef idx="minor">
+            <a:schemeClr val="lt1"/>
+          </a:fontRef>
+        </p:style>
+        <p:txBody>
+          <a:bodyPr rtlCol="0" anchor="ctr"/>
+          <a:lstStyle/>
+          <a:p>
+            <a:pPr algn="ctr"/>
+            <a:endParaRPr lang="en-US"/>
+          </a:p>
+        </p:txBody>
+      </p:sp>
+      <p:sp>
+        <p:nvSpPr>
+          <p:cNvPr id="28" name="Oval 27">
+            <a:extLst>
+              <a:ext uri="{FF2B5EF4-FFF2-40B4-BE49-F238E27FC236}">
+                <a16:creationId xmlns:a16="http://schemas.microsoft.com/office/drawing/2014/main" id="{79355FAE-2BC8-1707-5B55-4BB1E5561237}"/>
+              </a:ext>
+            </a:extLst>
+          </p:cNvPr>
+          <p:cNvSpPr/>
+          <p:nvPr/>
+        </p:nvSpPr>
+        <p:spPr>
+          <a:xfrm>
+            <a:off x="1133767" y="3454031"/>
+            <a:ext cx="403882" cy="417197"/>
+          </a:xfrm>
+          <a:prstGeom prst="ellipse">
+            <a:avLst/>
+          </a:prstGeom>
+          <a:solidFill>
+            <a:schemeClr val="accent2">
+              <a:lumMod val="75000"/>
+            </a:schemeClr>
+          </a:solidFill>
+        </p:spPr>
+        <p:style>
+          <a:lnRef idx="2">
+            <a:schemeClr val="accent1">
+              <a:shade val="15000"/>
+            </a:schemeClr>
+          </a:lnRef>
+          <a:fillRef idx="1">
+            <a:schemeClr val="accent1"/>
+          </a:fillRef>
+          <a:effectRef idx="0">
+            <a:schemeClr val="accent1"/>
+          </a:effectRef>
+          <a:fontRef idx="minor">
+            <a:schemeClr val="lt1"/>
+          </a:fontRef>
+        </p:style>
+        <p:txBody>
+          <a:bodyPr rtlCol="0" anchor="ctr"/>
+          <a:lstStyle/>
+          <a:p>
+            <a:pPr algn="ctr"/>
+            <a:endParaRPr lang="en-US"/>
+          </a:p>
+        </p:txBody>
+      </p:sp>
+      <p:sp>
+        <p:nvSpPr>
+          <p:cNvPr id="29" name="Oval 28">
+            <a:extLst>
+              <a:ext uri="{FF2B5EF4-FFF2-40B4-BE49-F238E27FC236}">
+                <a16:creationId xmlns:a16="http://schemas.microsoft.com/office/drawing/2014/main" id="{A75D3003-8B75-0889-0655-CC0474D69C11}"/>
+              </a:ext>
+            </a:extLst>
+          </p:cNvPr>
+          <p:cNvSpPr/>
+          <p:nvPr/>
+        </p:nvSpPr>
+        <p:spPr>
+          <a:xfrm>
+            <a:off x="9086775" y="2950421"/>
+            <a:ext cx="403882" cy="417197"/>
+          </a:xfrm>
+          <a:prstGeom prst="ellipse">
+            <a:avLst/>
+          </a:prstGeom>
+          <a:solidFill>
+            <a:schemeClr val="accent2">
+              <a:lumMod val="75000"/>
+            </a:schemeClr>
+          </a:solidFill>
+        </p:spPr>
+        <p:style>
+          <a:lnRef idx="2">
+            <a:schemeClr val="accent1">
+              <a:shade val="15000"/>
+            </a:schemeClr>
+          </a:lnRef>
+          <a:fillRef idx="1">
+            <a:schemeClr val="accent1"/>
+          </a:fillRef>
+          <a:effectRef idx="0">
+            <a:schemeClr val="accent1"/>
+          </a:effectRef>
+          <a:fontRef idx="minor">
+            <a:schemeClr val="lt1"/>
+          </a:fontRef>
+        </p:style>
+        <p:txBody>
+          <a:bodyPr rtlCol="0" anchor="ctr"/>
+          <a:lstStyle/>
+          <a:p>
+            <a:pPr algn="ctr"/>
+            <a:endParaRPr lang="en-US"/>
+          </a:p>
+        </p:txBody>
+      </p:sp>
+      <p:sp>
+        <p:nvSpPr>
+          <p:cNvPr id="30" name="Oval 29">
+            <a:extLst>
+              <a:ext uri="{FF2B5EF4-FFF2-40B4-BE49-F238E27FC236}">
+                <a16:creationId xmlns:a16="http://schemas.microsoft.com/office/drawing/2014/main" id="{E0CDEE24-EA8D-214F-7364-D5793EEF9950}"/>
+              </a:ext>
+            </a:extLst>
+          </p:cNvPr>
+          <p:cNvSpPr/>
+          <p:nvPr/>
+        </p:nvSpPr>
+        <p:spPr>
+          <a:xfrm>
+            <a:off x="968002" y="4997986"/>
+            <a:ext cx="403882" cy="417197"/>
+          </a:xfrm>
+          <a:prstGeom prst="ellipse">
+            <a:avLst/>
+          </a:prstGeom>
+          <a:solidFill>
+            <a:schemeClr val="accent2">
+              <a:lumMod val="75000"/>
+            </a:schemeClr>
+          </a:solidFill>
+        </p:spPr>
+        <p:style>
+          <a:lnRef idx="2">
+            <a:schemeClr val="accent1">
+              <a:shade val="15000"/>
+            </a:schemeClr>
+          </a:lnRef>
+          <a:fillRef idx="1">
+            <a:schemeClr val="accent1"/>
+          </a:fillRef>
+          <a:effectRef idx="0">
+            <a:schemeClr val="accent1"/>
+          </a:effectRef>
+          <a:fontRef idx="minor">
+            <a:schemeClr val="lt1"/>
+          </a:fontRef>
+        </p:style>
+        <p:txBody>
+          <a:bodyPr rtlCol="0" anchor="ctr"/>
+          <a:lstStyle/>
+          <a:p>
+            <a:pPr algn="ctr"/>
+            <a:endParaRPr lang="en-US"/>
+          </a:p>
+        </p:txBody>
+      </p:sp>
+      <p:sp>
+        <p:nvSpPr>
+          <p:cNvPr id="31" name="Oval 30">
+            <a:extLst>
+              <a:ext uri="{FF2B5EF4-FFF2-40B4-BE49-F238E27FC236}">
+                <a16:creationId xmlns:a16="http://schemas.microsoft.com/office/drawing/2014/main" id="{DE6CC7C4-FA4D-35B0-D1D9-5CE6F17B8393}"/>
+              </a:ext>
+            </a:extLst>
+          </p:cNvPr>
+          <p:cNvSpPr/>
+          <p:nvPr/>
+        </p:nvSpPr>
+        <p:spPr>
+          <a:xfrm>
+            <a:off x="3328625" y="4997986"/>
+            <a:ext cx="403882" cy="417197"/>
+          </a:xfrm>
+          <a:prstGeom prst="ellipse">
+            <a:avLst/>
+          </a:prstGeom>
+          <a:solidFill>
+            <a:schemeClr val="accent2">
+              <a:lumMod val="75000"/>
+            </a:schemeClr>
+          </a:solidFill>
+        </p:spPr>
+        <p:style>
+          <a:lnRef idx="2">
+            <a:schemeClr val="accent1">
+              <a:shade val="15000"/>
+            </a:schemeClr>
+          </a:lnRef>
+          <a:fillRef idx="1">
+            <a:schemeClr val="accent1"/>
+          </a:fillRef>
+          <a:effectRef idx="0">
+            <a:schemeClr val="accent1"/>
+          </a:effectRef>
+          <a:fontRef idx="minor">
+            <a:schemeClr val="lt1"/>
+          </a:fontRef>
+        </p:style>
+        <p:txBody>
+          <a:bodyPr rtlCol="0" anchor="ctr"/>
+          <a:lstStyle/>
+          <a:p>
+            <a:pPr algn="ctr"/>
+            <a:endParaRPr lang="en-US"/>
+          </a:p>
+        </p:txBody>
+      </p:sp>
+      <p:sp>
+        <p:nvSpPr>
+          <p:cNvPr id="32" name="Oval 31">
+            <a:extLst>
+              <a:ext uri="{FF2B5EF4-FFF2-40B4-BE49-F238E27FC236}">
+                <a16:creationId xmlns:a16="http://schemas.microsoft.com/office/drawing/2014/main" id="{E0281DB3-B86B-0651-06A1-74D52CFFC125}"/>
+              </a:ext>
+            </a:extLst>
+          </p:cNvPr>
+          <p:cNvSpPr/>
+          <p:nvPr/>
+        </p:nvSpPr>
+        <p:spPr>
+          <a:xfrm>
+            <a:off x="4623284" y="5030686"/>
+            <a:ext cx="403882" cy="417197"/>
+          </a:xfrm>
+          <a:prstGeom prst="ellipse">
+            <a:avLst/>
+          </a:prstGeom>
+          <a:solidFill>
+            <a:schemeClr val="accent2">
+              <a:lumMod val="75000"/>
+            </a:schemeClr>
+          </a:solidFill>
+        </p:spPr>
+        <p:style>
+          <a:lnRef idx="2">
+            <a:schemeClr val="accent1">
+              <a:shade val="15000"/>
+            </a:schemeClr>
+          </a:lnRef>
+          <a:fillRef idx="1">
+            <a:schemeClr val="accent1"/>
+          </a:fillRef>
+          <a:effectRef idx="0">
+            <a:schemeClr val="accent1"/>
+          </a:effectRef>
+          <a:fontRef idx="minor">
+            <a:schemeClr val="lt1"/>
+          </a:fontRef>
+        </p:style>
+        <p:txBody>
+          <a:bodyPr rtlCol="0" anchor="ctr"/>
+          <a:lstStyle/>
+          <a:p>
+            <a:pPr algn="ctr"/>
+            <a:endParaRPr lang="en-US"/>
+          </a:p>
+        </p:txBody>
+      </p:sp>
+      <p:sp>
+        <p:nvSpPr>
+          <p:cNvPr id="33" name="Oval 32">
+            <a:extLst>
+              <a:ext uri="{FF2B5EF4-FFF2-40B4-BE49-F238E27FC236}">
+                <a16:creationId xmlns:a16="http://schemas.microsoft.com/office/drawing/2014/main" id="{0BD592BE-3BBD-B0E2-BDFF-C81169D9525F}"/>
+              </a:ext>
+            </a:extLst>
+          </p:cNvPr>
+          <p:cNvSpPr/>
+          <p:nvPr/>
+        </p:nvSpPr>
+        <p:spPr>
+          <a:xfrm>
+            <a:off x="7374504" y="4997985"/>
+            <a:ext cx="403882" cy="417197"/>
+          </a:xfrm>
+          <a:prstGeom prst="ellipse">
+            <a:avLst/>
+          </a:prstGeom>
+          <a:solidFill>
+            <a:schemeClr val="accent2">
+              <a:lumMod val="75000"/>
+            </a:schemeClr>
+          </a:solidFill>
+        </p:spPr>
+        <p:style>
+          <a:lnRef idx="2">
+            <a:schemeClr val="accent1">
+              <a:shade val="15000"/>
+            </a:schemeClr>
+          </a:lnRef>
+          <a:fillRef idx="1">
+            <a:schemeClr val="accent1"/>
+          </a:fillRef>
+          <a:effectRef idx="0">
+            <a:schemeClr val="accent1"/>
+          </a:effectRef>
+          <a:fontRef idx="minor">
+            <a:schemeClr val="lt1"/>
+          </a:fontRef>
+        </p:style>
+        <p:txBody>
+          <a:bodyPr rtlCol="0" anchor="ctr"/>
+          <a:lstStyle/>
+          <a:p>
+            <a:pPr algn="ctr"/>
+            <a:endParaRPr lang="en-US"/>
+          </a:p>
+        </p:txBody>
+      </p:sp>
+      <p:sp>
+        <p:nvSpPr>
+          <p:cNvPr id="34" name="Rectangle 33">
+            <a:extLst>
+              <a:ext uri="{FF2B5EF4-FFF2-40B4-BE49-F238E27FC236}">
+                <a16:creationId xmlns:a16="http://schemas.microsoft.com/office/drawing/2014/main" id="{EA289064-4C32-B08E-080D-285094EC31DE}"/>
+              </a:ext>
+            </a:extLst>
+          </p:cNvPr>
+          <p:cNvSpPr/>
+          <p:nvPr/>
+        </p:nvSpPr>
+        <p:spPr>
+          <a:xfrm>
+            <a:off x="968002" y="708660"/>
+            <a:ext cx="2864698" cy="1618613"/>
+          </a:xfrm>
+          <a:prstGeom prst="rect">
+            <a:avLst/>
+          </a:prstGeom>
+          <a:noFill/>
+          <a:ln>
+            <a:solidFill>
+              <a:srgbClr val="FFFF00"/>
+            </a:solidFill>
+          </a:ln>
+        </p:spPr>
+        <p:style>
+          <a:lnRef idx="2">
+            <a:schemeClr val="accent1">
+              <a:shade val="15000"/>
+            </a:schemeClr>
+          </a:lnRef>
+          <a:fillRef idx="1">
+            <a:schemeClr val="accent1"/>
+          </a:fillRef>
+          <a:effectRef idx="0">
+            <a:schemeClr val="accent1"/>
+          </a:effectRef>
+          <a:fontRef idx="minor">
+            <a:schemeClr val="lt1"/>
+          </a:fontRef>
+        </p:style>
+        <p:txBody>
+          <a:bodyPr rtlCol="0" anchor="ctr"/>
+          <a:lstStyle/>
+          <a:p>
+            <a:pPr algn="ctr"/>
+            <a:endParaRPr lang="en-US"/>
+          </a:p>
+        </p:txBody>
+      </p:sp>
+      <p:sp>
+        <p:nvSpPr>
+          <p:cNvPr id="35" name="Rectangle 34">
+            <a:extLst>
+              <a:ext uri="{FF2B5EF4-FFF2-40B4-BE49-F238E27FC236}">
+                <a16:creationId xmlns:a16="http://schemas.microsoft.com/office/drawing/2014/main" id="{6EA3E764-71CC-2223-8D28-E689D743F595}"/>
+              </a:ext>
+            </a:extLst>
+          </p:cNvPr>
+          <p:cNvSpPr/>
+          <p:nvPr/>
+        </p:nvSpPr>
+        <p:spPr>
+          <a:xfrm>
+            <a:off x="4287433" y="708660"/>
+            <a:ext cx="2864698" cy="1618613"/>
+          </a:xfrm>
+          <a:prstGeom prst="rect">
+            <a:avLst/>
+          </a:prstGeom>
+          <a:noFill/>
+          <a:ln>
+            <a:solidFill>
+              <a:srgbClr val="FFFF00"/>
+            </a:solidFill>
+          </a:ln>
+        </p:spPr>
+        <p:style>
+          <a:lnRef idx="2">
+            <a:schemeClr val="accent1">
+              <a:shade val="15000"/>
+            </a:schemeClr>
+          </a:lnRef>
+          <a:fillRef idx="1">
+            <a:schemeClr val="accent1"/>
+          </a:fillRef>
+          <a:effectRef idx="0">
+            <a:schemeClr val="accent1"/>
+          </a:effectRef>
+          <a:fontRef idx="minor">
+            <a:schemeClr val="lt1"/>
+          </a:fontRef>
+        </p:style>
+        <p:txBody>
+          <a:bodyPr rtlCol="0" anchor="ctr"/>
+          <a:lstStyle/>
+          <a:p>
+            <a:pPr algn="ctr"/>
+            <a:endParaRPr lang="en-US"/>
+          </a:p>
+        </p:txBody>
+      </p:sp>
+      <p:sp>
+        <p:nvSpPr>
+          <p:cNvPr id="36" name="Rectangle 35">
+            <a:extLst>
+              <a:ext uri="{FF2B5EF4-FFF2-40B4-BE49-F238E27FC236}">
+                <a16:creationId xmlns:a16="http://schemas.microsoft.com/office/drawing/2014/main" id="{ECA702DD-D90E-7421-7DD5-9E11B201DE53}"/>
+              </a:ext>
+            </a:extLst>
+          </p:cNvPr>
+          <p:cNvSpPr/>
+          <p:nvPr/>
+        </p:nvSpPr>
+        <p:spPr>
+          <a:xfrm>
+            <a:off x="784720" y="2618342"/>
+            <a:ext cx="2510343" cy="1618613"/>
+          </a:xfrm>
+          <a:prstGeom prst="rect">
+            <a:avLst/>
+          </a:prstGeom>
+          <a:noFill/>
+          <a:ln>
+            <a:solidFill>
+              <a:srgbClr val="FFFF00"/>
+            </a:solidFill>
+          </a:ln>
+        </p:spPr>
+        <p:style>
+          <a:lnRef idx="2">
+            <a:schemeClr val="accent1">
+              <a:shade val="15000"/>
+            </a:schemeClr>
+          </a:lnRef>
+          <a:fillRef idx="1">
+            <a:schemeClr val="accent1"/>
+          </a:fillRef>
+          <a:effectRef idx="0">
+            <a:schemeClr val="accent1"/>
+          </a:effectRef>
+          <a:fontRef idx="minor">
+            <a:schemeClr val="lt1"/>
+          </a:fontRef>
+        </p:style>
+        <p:txBody>
+          <a:bodyPr rtlCol="0" anchor="ctr"/>
+          <a:lstStyle/>
+          <a:p>
+            <a:pPr algn="ctr"/>
+            <a:endParaRPr lang="en-US"/>
+          </a:p>
+        </p:txBody>
+      </p:sp>
+      <p:sp>
+        <p:nvSpPr>
+          <p:cNvPr id="37" name="Rectangle 36">
+            <a:extLst>
+              <a:ext uri="{FF2B5EF4-FFF2-40B4-BE49-F238E27FC236}">
+                <a16:creationId xmlns:a16="http://schemas.microsoft.com/office/drawing/2014/main" id="{CE5D43BC-CC65-93A3-6221-60B593C5FE42}"/>
+              </a:ext>
+            </a:extLst>
+          </p:cNvPr>
+          <p:cNvSpPr/>
+          <p:nvPr/>
+        </p:nvSpPr>
+        <p:spPr>
+          <a:xfrm>
+            <a:off x="3479071" y="2599369"/>
+            <a:ext cx="3222672" cy="1618613"/>
+          </a:xfrm>
+          <a:prstGeom prst="rect">
+            <a:avLst/>
+          </a:prstGeom>
+          <a:noFill/>
+          <a:ln>
+            <a:solidFill>
+              <a:srgbClr val="FFFF00"/>
+            </a:solidFill>
+          </a:ln>
+        </p:spPr>
+        <p:style>
+          <a:lnRef idx="2">
+            <a:schemeClr val="accent1">
+              <a:shade val="15000"/>
+            </a:schemeClr>
+          </a:lnRef>
+          <a:fillRef idx="1">
+            <a:schemeClr val="accent1"/>
+          </a:fillRef>
+          <a:effectRef idx="0">
+            <a:schemeClr val="accent1"/>
+          </a:effectRef>
+          <a:fontRef idx="minor">
+            <a:schemeClr val="lt1"/>
+          </a:fontRef>
+        </p:style>
+        <p:txBody>
+          <a:bodyPr rtlCol="0" anchor="ctr"/>
+          <a:lstStyle/>
+          <a:p>
+            <a:pPr algn="ctr"/>
+            <a:endParaRPr lang="en-US"/>
+          </a:p>
+        </p:txBody>
+      </p:sp>
+      <p:sp>
+        <p:nvSpPr>
+          <p:cNvPr id="38" name="Rectangle 37">
+            <a:extLst>
+              <a:ext uri="{FF2B5EF4-FFF2-40B4-BE49-F238E27FC236}">
+                <a16:creationId xmlns:a16="http://schemas.microsoft.com/office/drawing/2014/main" id="{C5A80441-3B6B-CD7E-DDD2-BB8F5F124224}"/>
+              </a:ext>
+            </a:extLst>
+          </p:cNvPr>
+          <p:cNvSpPr/>
+          <p:nvPr/>
+        </p:nvSpPr>
+        <p:spPr>
+          <a:xfrm>
+            <a:off x="7017184" y="2604415"/>
+            <a:ext cx="2864698" cy="1618613"/>
+          </a:xfrm>
+          <a:prstGeom prst="rect">
+            <a:avLst/>
+          </a:prstGeom>
+          <a:noFill/>
+          <a:ln>
+            <a:solidFill>
+              <a:srgbClr val="FFFF00"/>
+            </a:solidFill>
+          </a:ln>
+        </p:spPr>
+        <p:style>
+          <a:lnRef idx="2">
+            <a:schemeClr val="accent1">
+              <a:shade val="15000"/>
+            </a:schemeClr>
+          </a:lnRef>
+          <a:fillRef idx="1">
+            <a:schemeClr val="accent1"/>
+          </a:fillRef>
+          <a:effectRef idx="0">
+            <a:schemeClr val="accent1"/>
+          </a:effectRef>
+          <a:fontRef idx="minor">
+            <a:schemeClr val="lt1"/>
+          </a:fontRef>
+        </p:style>
+        <p:txBody>
+          <a:bodyPr rtlCol="0" anchor="ctr"/>
+          <a:lstStyle/>
+          <a:p>
+            <a:pPr algn="ctr"/>
+            <a:endParaRPr lang="en-US"/>
+          </a:p>
+        </p:txBody>
+      </p:sp>
+      <p:sp>
+        <p:nvSpPr>
+          <p:cNvPr id="39" name="Rectangle 38">
+            <a:extLst>
+              <a:ext uri="{FF2B5EF4-FFF2-40B4-BE49-F238E27FC236}">
+                <a16:creationId xmlns:a16="http://schemas.microsoft.com/office/drawing/2014/main" id="{5C0449DB-A083-1894-6BEC-114A1796189B}"/>
+              </a:ext>
+            </a:extLst>
+          </p:cNvPr>
+          <p:cNvSpPr/>
+          <p:nvPr/>
+        </p:nvSpPr>
+        <p:spPr>
+          <a:xfrm>
+            <a:off x="784720" y="4478187"/>
+            <a:ext cx="3047980" cy="1448670"/>
+          </a:xfrm>
+          <a:prstGeom prst="rect">
+            <a:avLst/>
+          </a:prstGeom>
+          <a:noFill/>
+          <a:ln>
+            <a:solidFill>
+              <a:srgbClr val="FFFF00"/>
+            </a:solidFill>
+          </a:ln>
+        </p:spPr>
+        <p:style>
+          <a:lnRef idx="2">
+            <a:schemeClr val="accent1">
+              <a:shade val="15000"/>
+            </a:schemeClr>
+          </a:lnRef>
+          <a:fillRef idx="1">
+            <a:schemeClr val="accent1"/>
+          </a:fillRef>
+          <a:effectRef idx="0">
+            <a:schemeClr val="accent1"/>
+          </a:effectRef>
+          <a:fontRef idx="minor">
+            <a:schemeClr val="lt1"/>
+          </a:fontRef>
+        </p:style>
+        <p:txBody>
+          <a:bodyPr rtlCol="0" anchor="ctr"/>
+          <a:lstStyle/>
+          <a:p>
+            <a:pPr algn="ctr"/>
+            <a:endParaRPr lang="en-US"/>
+          </a:p>
+        </p:txBody>
+      </p:sp>
+      <p:sp>
+        <p:nvSpPr>
+          <p:cNvPr id="40" name="Rectangle 39">
+            <a:extLst>
+              <a:ext uri="{FF2B5EF4-FFF2-40B4-BE49-F238E27FC236}">
+                <a16:creationId xmlns:a16="http://schemas.microsoft.com/office/drawing/2014/main" id="{4866746F-8EDC-342C-AE49-D2CC41E1B8B6}"/>
+              </a:ext>
+            </a:extLst>
+          </p:cNvPr>
+          <p:cNvSpPr/>
+          <p:nvPr/>
+        </p:nvSpPr>
+        <p:spPr>
+          <a:xfrm>
+            <a:off x="4365253" y="4490078"/>
+            <a:ext cx="3949772" cy="1448670"/>
+          </a:xfrm>
+          <a:prstGeom prst="rect">
+            <a:avLst/>
+          </a:prstGeom>
+          <a:noFill/>
+          <a:ln>
+            <a:solidFill>
+              <a:srgbClr val="FFFF00"/>
+            </a:solidFill>
+          </a:ln>
+        </p:spPr>
+        <p:style>
+          <a:lnRef idx="2">
+            <a:schemeClr val="accent1">
+              <a:shade val="15000"/>
+            </a:schemeClr>
+          </a:lnRef>
+          <a:fillRef idx="1">
+            <a:schemeClr val="accent1"/>
+          </a:fillRef>
+          <a:effectRef idx="0">
+            <a:schemeClr val="accent1"/>
+          </a:effectRef>
+          <a:fontRef idx="minor">
+            <a:schemeClr val="lt1"/>
+          </a:fontRef>
+        </p:style>
+        <p:txBody>
+          <a:bodyPr rtlCol="0" anchor="ctr"/>
+          <a:lstStyle/>
+          <a:p>
+            <a:pPr algn="ctr"/>
+            <a:endParaRPr lang="en-US"/>
+          </a:p>
+        </p:txBody>
+      </p:sp>
     </p:spTree>
     <p:extLst>
       <p:ext uri="{BB962C8B-B14F-4D97-AF65-F5344CB8AC3E}">
@@ -35379,4 +37049,10 @@
     </a:ext>
   </a:extLst>
 </a:theme>
+</file>
+
+<file path=docMetadata/LabelInfo.xml><?xml version="1.0" encoding="utf-8"?>
+<clbl:labelList xmlns:clbl="http://schemas.microsoft.com/office/2020/mipLabelMetadata">
+  <clbl:label id="{ea60d57e-af5b-4752-ac57-3e4f28ca11dc}" enabled="1" method="Standard" siteId="{36da45f1-dd2c-4d1f-af13-5abe46b99921}" contentBits="0" removed="0"/>
+</clbl:labelList>
 </file>